--- a/Figures/making_figure_1.pptx
+++ b/Figures/making_figure_1.pptx
@@ -104,6 +104,11 @@
       </a:defRPr>
     </a:lvl9pPr>
   </p:defaultTextStyle>
+  <p:extLst>
+    <p:ext uri="{EFAFB233-063F-42B5-8137-9DF3F51BA10A}">
+      <p15:sldGuideLst xmlns:p15="http://schemas.microsoft.com/office/powerpoint/2012/main"/>
+    </p:ext>
+  </p:extLst>
 </p:presentation>
 </file>
 
@@ -254,7 +259,7 @@
           <a:p>
             <a:fld id="{22B3A51F-15D8-4653-97A2-1E1711FB033D}" type="datetimeFigureOut">
               <a:rPr lang="en-US" smtClean="0"/>
-              <a:t>10/20/2021</a:t>
+              <a:t>10/26/2021</a:t>
             </a:fld>
             <a:endParaRPr lang="en-US"/>
           </a:p>
@@ -452,7 +457,7 @@
           <a:p>
             <a:fld id="{22B3A51F-15D8-4653-97A2-1E1711FB033D}" type="datetimeFigureOut">
               <a:rPr lang="en-US" smtClean="0"/>
-              <a:t>10/20/2021</a:t>
+              <a:t>10/26/2021</a:t>
             </a:fld>
             <a:endParaRPr lang="en-US"/>
           </a:p>
@@ -660,7 +665,7 @@
           <a:p>
             <a:fld id="{22B3A51F-15D8-4653-97A2-1E1711FB033D}" type="datetimeFigureOut">
               <a:rPr lang="en-US" smtClean="0"/>
-              <a:t>10/20/2021</a:t>
+              <a:t>10/26/2021</a:t>
             </a:fld>
             <a:endParaRPr lang="en-US"/>
           </a:p>
@@ -858,7 +863,7 @@
           <a:p>
             <a:fld id="{22B3A51F-15D8-4653-97A2-1E1711FB033D}" type="datetimeFigureOut">
               <a:rPr lang="en-US" smtClean="0"/>
-              <a:t>10/20/2021</a:t>
+              <a:t>10/26/2021</a:t>
             </a:fld>
             <a:endParaRPr lang="en-US"/>
           </a:p>
@@ -1133,7 +1138,7 @@
           <a:p>
             <a:fld id="{22B3A51F-15D8-4653-97A2-1E1711FB033D}" type="datetimeFigureOut">
               <a:rPr lang="en-US" smtClean="0"/>
-              <a:t>10/20/2021</a:t>
+              <a:t>10/26/2021</a:t>
             </a:fld>
             <a:endParaRPr lang="en-US"/>
           </a:p>
@@ -1398,7 +1403,7 @@
           <a:p>
             <a:fld id="{22B3A51F-15D8-4653-97A2-1E1711FB033D}" type="datetimeFigureOut">
               <a:rPr lang="en-US" smtClean="0"/>
-              <a:t>10/20/2021</a:t>
+              <a:t>10/26/2021</a:t>
             </a:fld>
             <a:endParaRPr lang="en-US"/>
           </a:p>
@@ -1810,7 +1815,7 @@
           <a:p>
             <a:fld id="{22B3A51F-15D8-4653-97A2-1E1711FB033D}" type="datetimeFigureOut">
               <a:rPr lang="en-US" smtClean="0"/>
-              <a:t>10/20/2021</a:t>
+              <a:t>10/26/2021</a:t>
             </a:fld>
             <a:endParaRPr lang="en-US"/>
           </a:p>
@@ -1951,7 +1956,7 @@
           <a:p>
             <a:fld id="{22B3A51F-15D8-4653-97A2-1E1711FB033D}" type="datetimeFigureOut">
               <a:rPr lang="en-US" smtClean="0"/>
-              <a:t>10/20/2021</a:t>
+              <a:t>10/26/2021</a:t>
             </a:fld>
             <a:endParaRPr lang="en-US"/>
           </a:p>
@@ -2064,7 +2069,7 @@
           <a:p>
             <a:fld id="{22B3A51F-15D8-4653-97A2-1E1711FB033D}" type="datetimeFigureOut">
               <a:rPr lang="en-US" smtClean="0"/>
-              <a:t>10/20/2021</a:t>
+              <a:t>10/26/2021</a:t>
             </a:fld>
             <a:endParaRPr lang="en-US"/>
           </a:p>
@@ -2375,7 +2380,7 @@
           <a:p>
             <a:fld id="{22B3A51F-15D8-4653-97A2-1E1711FB033D}" type="datetimeFigureOut">
               <a:rPr lang="en-US" smtClean="0"/>
-              <a:t>10/20/2021</a:t>
+              <a:t>10/26/2021</a:t>
             </a:fld>
             <a:endParaRPr lang="en-US"/>
           </a:p>
@@ -2663,7 +2668,7 @@
           <a:p>
             <a:fld id="{22B3A51F-15D8-4653-97A2-1E1711FB033D}" type="datetimeFigureOut">
               <a:rPr lang="en-US" smtClean="0"/>
-              <a:t>10/20/2021</a:t>
+              <a:t>10/26/2021</a:t>
             </a:fld>
             <a:endParaRPr lang="en-US"/>
           </a:p>
@@ -2904,7 +2909,7 @@
           <a:p>
             <a:fld id="{22B3A51F-15D8-4653-97A2-1E1711FB033D}" type="datetimeFigureOut">
               <a:rPr lang="en-US" smtClean="0"/>
-              <a:t>10/20/2021</a:t>
+              <a:t>10/26/2021</a:t>
             </a:fld>
             <a:endParaRPr lang="en-US"/>
           </a:p>
@@ -3373,6 +3378,49 @@
           </a:p>
         </p:txBody>
       </p:sp>
+      <p:cxnSp>
+        <p:nvCxnSpPr>
+          <p:cNvPr id="538" name="Straight Connector 537">
+            <a:extLst>
+              <a:ext uri="{FF2B5EF4-FFF2-40B4-BE49-F238E27FC236}">
+                <a16:creationId xmlns:a16="http://schemas.microsoft.com/office/drawing/2014/main" id="{8D6B87B1-1A9F-4B36-8C5F-152C00382046}"/>
+              </a:ext>
+            </a:extLst>
+          </p:cNvPr>
+          <p:cNvCxnSpPr>
+            <a:cxnSpLocks/>
+          </p:cNvCxnSpPr>
+          <p:nvPr/>
+        </p:nvCxnSpPr>
+        <p:spPr>
+          <a:xfrm flipV="1">
+            <a:off x="8133736" y="4944289"/>
+            <a:ext cx="1231078" cy="657066"/>
+          </a:xfrm>
+          <a:prstGeom prst="line">
+            <a:avLst/>
+          </a:prstGeom>
+          <a:ln w="19050">
+            <a:solidFill>
+              <a:srgbClr val="FF0000"/>
+            </a:solidFill>
+          </a:ln>
+        </p:spPr>
+        <p:style>
+          <a:lnRef idx="1">
+            <a:schemeClr val="accent1"/>
+          </a:lnRef>
+          <a:fillRef idx="0">
+            <a:schemeClr val="accent1"/>
+          </a:fillRef>
+          <a:effectRef idx="0">
+            <a:schemeClr val="accent1"/>
+          </a:effectRef>
+          <a:fontRef idx="minor">
+            <a:schemeClr val="tx1"/>
+          </a:fontRef>
+        </p:style>
+      </p:cxnSp>
       <p:pic>
         <p:nvPicPr>
           <p:cNvPr id="8" name="Picture 7">
@@ -19526,6 +19574,47 @@
           </a:p>
         </p:txBody>
       </p:sp>
+      <p:cxnSp>
+        <p:nvCxnSpPr>
+          <p:cNvPr id="5" name="Straight Connector 4">
+            <a:extLst>
+              <a:ext uri="{FF2B5EF4-FFF2-40B4-BE49-F238E27FC236}">
+                <a16:creationId xmlns:a16="http://schemas.microsoft.com/office/drawing/2014/main" id="{3B2A94AE-8D38-4D14-A61F-490C0B6A833D}"/>
+              </a:ext>
+            </a:extLst>
+          </p:cNvPr>
+          <p:cNvCxnSpPr/>
+          <p:nvPr/>
+        </p:nvCxnSpPr>
+        <p:spPr>
+          <a:xfrm>
+            <a:off x="8132634" y="3928606"/>
+            <a:ext cx="1147013" cy="0"/>
+          </a:xfrm>
+          <a:prstGeom prst="line">
+            <a:avLst/>
+          </a:prstGeom>
+          <a:ln w="19050">
+            <a:solidFill>
+              <a:srgbClr val="FF0000"/>
+            </a:solidFill>
+          </a:ln>
+        </p:spPr>
+        <p:style>
+          <a:lnRef idx="1">
+            <a:schemeClr val="accent1"/>
+          </a:lnRef>
+          <a:fillRef idx="0">
+            <a:schemeClr val="accent1"/>
+          </a:fillRef>
+          <a:effectRef idx="0">
+            <a:schemeClr val="accent1"/>
+          </a:effectRef>
+          <a:fontRef idx="minor">
+            <a:schemeClr val="tx1"/>
+          </a:fontRef>
+        </p:style>
+      </p:cxnSp>
     </p:spTree>
     <p:extLst>
       <p:ext uri="{BB962C8B-B14F-4D97-AF65-F5344CB8AC3E}">
